--- a/OtherMaterials/2018 Machine Learning Course - Group Assignment Presentation Guidelines.pptx
+++ b/OtherMaterials/2018 Machine Learning Course - Group Assignment Presentation Guidelines.pptx
@@ -4796,13 +4796,8 @@
           <a:p>
             <a:r>
               <a:rPr lang="en-US" dirty="0" smtClean="0"/>
-              <a:t>MGMT E-5072, Fall </a:t>
-            </a:r>
-            <a:r>
-              <a:rPr lang="en-US" dirty="0" smtClean="0"/>
-              <a:t>2018</a:t>
-            </a:r>
-            <a:endParaRPr lang="en-US" dirty="0" smtClean="0"/>
+              <a:t>MGMT E-5072, Fall 2018</a:t>
+            </a:r>
           </a:p>
           <a:p>
             <a:r>
@@ -5146,11 +5141,7 @@
             <a:pPr lvl="1"/>
             <a:r>
               <a:rPr lang="en-US" dirty="0" smtClean="0"/>
-              <a:t>Other detail that informed the </a:t>
-            </a:r>
-            <a:r>
-              <a:rPr lang="en-US" dirty="0" smtClean="0"/>
-              <a:t>analysis</a:t>
+              <a:t>Other detail that informed the analysis</a:t>
             </a:r>
           </a:p>
           <a:p>
@@ -5383,21 +5374,8 @@
           <a:p>
             <a:r>
               <a:rPr lang="en-US" dirty="0" smtClean="0"/>
-              <a:t>Teams have been assigned on Canvas. Please </a:t>
-            </a:r>
-            <a:r>
-              <a:rPr lang="en-US" dirty="0" smtClean="0"/>
-              <a:t>look </a:t>
-            </a:r>
-            <a:r>
-              <a:rPr lang="en-US" dirty="0" smtClean="0"/>
-              <a:t>up your </a:t>
-            </a:r>
-            <a:r>
-              <a:rPr lang="en-US" dirty="0" smtClean="0"/>
-              <a:t>teammates and connect with them. </a:t>
-            </a:r>
-            <a:endParaRPr lang="en-US" dirty="0" smtClean="0"/>
+              <a:t>Teams have been assigned on Canvas. Please look up your teammates and connect with them. </a:t>
+            </a:r>
           </a:p>
           <a:p>
             <a:pPr marL="0" indent="0">
@@ -5408,15 +5386,7 @@
           <a:p>
             <a:r>
               <a:rPr lang="en-US" dirty="0" smtClean="0"/>
-              <a:t>Each </a:t>
-            </a:r>
-            <a:r>
-              <a:rPr lang="en-US" dirty="0" smtClean="0"/>
-              <a:t>team will have </a:t>
-            </a:r>
-            <a:r>
-              <a:rPr lang="en-US" dirty="0" smtClean="0"/>
-              <a:t>its own Page on Canvas where team specific information (e.g. raw files and announcements) will be posted. Feel free to use other features of your Team </a:t>
+              <a:t>Each team will have its own Page on Canvas where team specific information (e.g. raw files and announcements) will be posted. Feel free to use other features of your Team </a:t>
             </a:r>
             <a:r>
               <a:rPr lang="en-US" dirty="0"/>
@@ -5618,7 +5588,6 @@
               <a:rPr lang="en-US" sz="1400" dirty="0" smtClean="0"/>
               <a:t>What steps will you take to solve the problem? List the steps clearly. </a:t>
             </a:r>
-            <a:endParaRPr lang="en-US" sz="1400" dirty="0" smtClean="0"/>
           </a:p>
           <a:p>
             <a:r>
@@ -5639,7 +5608,6 @@
               <a:rPr lang="en-US" sz="1400" dirty="0" smtClean="0"/>
               <a:t>Measure and fine tune model performance </a:t>
             </a:r>
-            <a:endParaRPr lang="en-US" sz="1400" dirty="0" smtClean="0"/>
           </a:p>
         </p:txBody>
       </p:sp>

--- a/OtherMaterials/2018 Machine Learning Course - Group Assignment Presentation Guidelines.pptx
+++ b/OtherMaterials/2018 Machine Learning Course - Group Assignment Presentation Guidelines.pptx
@@ -219,7 +219,7 @@
           <a:p>
             <a:fld id="{0A3CE07D-E24D-1946-829B-94070D81B3C6}" type="datetimeFigureOut">
               <a:rPr lang="en-US" smtClean="0"/>
-              <a:t>10/18/2018</a:t>
+              <a:t>11/29/2018</a:t>
             </a:fld>
             <a:endParaRPr lang="en-US"/>
           </a:p>
@@ -1079,7 +1079,7 @@
           <a:p>
             <a:fld id="{4BDF68E2-58F2-4D09-BE8B-E3BD06533059}" type="datetimeFigureOut">
               <a:rPr lang="en-US" smtClean="0"/>
-              <a:t>10/18/2018</a:t>
+              <a:t>11/29/2018</a:t>
             </a:fld>
             <a:endParaRPr lang="en-US" dirty="0"/>
           </a:p>
@@ -1259,7 +1259,7 @@
           <a:p>
             <a:fld id="{2E2D6473-DF6D-4702-B328-E0DD40540A4E}" type="datetimeFigureOut">
               <a:rPr lang="en-US" smtClean="0"/>
-              <a:t>10/18/2018</a:t>
+              <a:t>11/29/2018</a:t>
             </a:fld>
             <a:endParaRPr lang="en-US" dirty="0"/>
           </a:p>
@@ -1435,7 +1435,7 @@
           <a:p>
             <a:fld id="{E26F7E3A-B166-407D-9866-32884E7D5B37}" type="datetimeFigureOut">
               <a:rPr lang="en-US" smtClean="0"/>
-              <a:t>10/18/2018</a:t>
+              <a:t>11/29/2018</a:t>
             </a:fld>
             <a:endParaRPr lang="en-US" dirty="0"/>
           </a:p>
@@ -1627,7 +1627,7 @@
           <a:p>
             <a:fld id="{528FC5F6-F338-4AE4-BB23-26385BCFC423}" type="datetimeFigureOut">
               <a:rPr lang="en-US" smtClean="0"/>
-              <a:t>10/18/2018</a:t>
+              <a:t>11/29/2018</a:t>
             </a:fld>
             <a:endParaRPr lang="en-US" dirty="0"/>
           </a:p>
@@ -1944,7 +1944,7 @@
           <a:p>
             <a:fld id="{20EBB0C4-6273-4C6E-B9BD-2EDC30F1CD52}" type="datetimeFigureOut">
               <a:rPr lang="en-US" smtClean="0"/>
-              <a:t>10/18/2018</a:t>
+              <a:t>11/29/2018</a:t>
             </a:fld>
             <a:endParaRPr lang="en-US" dirty="0"/>
           </a:p>
@@ -2405,7 +2405,7 @@
           <a:p>
             <a:fld id="{19AB4D41-86C1-4908-B66A-0B50CEB3BF29}" type="datetimeFigureOut">
               <a:rPr lang="en-US" smtClean="0"/>
-              <a:t>10/18/2018</a:t>
+              <a:t>11/29/2018</a:t>
             </a:fld>
             <a:endParaRPr lang="en-US" dirty="0"/>
           </a:p>
@@ -2812,7 +2812,7 @@
           <a:p>
             <a:fld id="{E6426E2C-56C1-4E0D-A793-0088A7FDD37E}" type="datetimeFigureOut">
               <a:rPr lang="en-US" smtClean="0"/>
-              <a:t>10/18/2018</a:t>
+              <a:t>11/29/2018</a:t>
             </a:fld>
             <a:endParaRPr lang="en-US" dirty="0"/>
           </a:p>
@@ -2926,7 +2926,7 @@
           <a:p>
             <a:fld id="{C8C39B41-D8B5-4052-B551-9B5525EAA8B6}" type="datetimeFigureOut">
               <a:rPr lang="en-US" smtClean="0"/>
-              <a:t>10/18/2018</a:t>
+              <a:t>11/29/2018</a:t>
             </a:fld>
             <a:endParaRPr lang="en-US" dirty="0"/>
           </a:p>
@@ -3040,7 +3040,7 @@
           <a:p>
             <a:fld id="{4D94136C-8742-45B2-AF27-D93DF72833A9}" type="datetimeFigureOut">
               <a:rPr lang="en-US" smtClean="0"/>
-              <a:t>10/18/2018</a:t>
+              <a:t>11/29/2018</a:t>
             </a:fld>
             <a:endParaRPr lang="en-US" dirty="0"/>
           </a:p>
@@ -3400,7 +3400,7 @@
           <a:p>
             <a:fld id="{32ABBEA6-7C60-4B02-AE87-00D78D8422AF}" type="datetimeFigureOut">
               <a:rPr lang="en-US" smtClean="0"/>
-              <a:t>10/18/2018</a:t>
+              <a:t>11/29/2018</a:t>
             </a:fld>
             <a:endParaRPr lang="en-US" dirty="0"/>
           </a:p>
@@ -3909,7 +3909,7 @@
           <a:p>
             <a:fld id="{C9CAD897-D46E-4AD2-BD9B-49DD3E640873}" type="datetimeFigureOut">
               <a:rPr lang="en-US" smtClean="0"/>
-              <a:t>10/18/2018</a:t>
+              <a:t>11/29/2018</a:t>
             </a:fld>
             <a:endParaRPr lang="en-US" dirty="0"/>
           </a:p>
@@ -4260,7 +4260,7 @@
           <a:p>
             <a:fld id="{98624D31-43A5-475A-80CF-332C9F6DCF35}" type="datetimeFigureOut">
               <a:rPr lang="en-US" smtClean="0"/>
-              <a:t>10/18/2018</a:t>
+              <a:t>11/29/2018</a:t>
             </a:fld>
             <a:endParaRPr lang="en-US" dirty="0"/>
           </a:p>

--- a/OtherMaterials/2018 Machine Learning Course - Group Assignment Presentation Guidelines.pptx
+++ b/OtherMaterials/2018 Machine Learning Course - Group Assignment Presentation Guidelines.pptx
@@ -219,7 +219,7 @@
           <a:p>
             <a:fld id="{0A3CE07D-E24D-1946-829B-94070D81B3C6}" type="datetimeFigureOut">
               <a:rPr lang="en-US" smtClean="0"/>
-              <a:t>11/29/2018</a:t>
+              <a:t>12/6/2018</a:t>
             </a:fld>
             <a:endParaRPr lang="en-US"/>
           </a:p>
@@ -1079,7 +1079,7 @@
           <a:p>
             <a:fld id="{4BDF68E2-58F2-4D09-BE8B-E3BD06533059}" type="datetimeFigureOut">
               <a:rPr lang="en-US" smtClean="0"/>
-              <a:t>11/29/2018</a:t>
+              <a:t>12/6/2018</a:t>
             </a:fld>
             <a:endParaRPr lang="en-US" dirty="0"/>
           </a:p>
@@ -1259,7 +1259,7 @@
           <a:p>
             <a:fld id="{2E2D6473-DF6D-4702-B328-E0DD40540A4E}" type="datetimeFigureOut">
               <a:rPr lang="en-US" smtClean="0"/>
-              <a:t>11/29/2018</a:t>
+              <a:t>12/6/2018</a:t>
             </a:fld>
             <a:endParaRPr lang="en-US" dirty="0"/>
           </a:p>
@@ -1435,7 +1435,7 @@
           <a:p>
             <a:fld id="{E26F7E3A-B166-407D-9866-32884E7D5B37}" type="datetimeFigureOut">
               <a:rPr lang="en-US" smtClean="0"/>
-              <a:t>11/29/2018</a:t>
+              <a:t>12/6/2018</a:t>
             </a:fld>
             <a:endParaRPr lang="en-US" dirty="0"/>
           </a:p>
@@ -1627,7 +1627,7 @@
           <a:p>
             <a:fld id="{528FC5F6-F338-4AE4-BB23-26385BCFC423}" type="datetimeFigureOut">
               <a:rPr lang="en-US" smtClean="0"/>
-              <a:t>11/29/2018</a:t>
+              <a:t>12/6/2018</a:t>
             </a:fld>
             <a:endParaRPr lang="en-US" dirty="0"/>
           </a:p>
@@ -1944,7 +1944,7 @@
           <a:p>
             <a:fld id="{20EBB0C4-6273-4C6E-B9BD-2EDC30F1CD52}" type="datetimeFigureOut">
               <a:rPr lang="en-US" smtClean="0"/>
-              <a:t>11/29/2018</a:t>
+              <a:t>12/6/2018</a:t>
             </a:fld>
             <a:endParaRPr lang="en-US" dirty="0"/>
           </a:p>
@@ -2405,7 +2405,7 @@
           <a:p>
             <a:fld id="{19AB4D41-86C1-4908-B66A-0B50CEB3BF29}" type="datetimeFigureOut">
               <a:rPr lang="en-US" smtClean="0"/>
-              <a:t>11/29/2018</a:t>
+              <a:t>12/6/2018</a:t>
             </a:fld>
             <a:endParaRPr lang="en-US" dirty="0"/>
           </a:p>
@@ -2812,7 +2812,7 @@
           <a:p>
             <a:fld id="{E6426E2C-56C1-4E0D-A793-0088A7FDD37E}" type="datetimeFigureOut">
               <a:rPr lang="en-US" smtClean="0"/>
-              <a:t>11/29/2018</a:t>
+              <a:t>12/6/2018</a:t>
             </a:fld>
             <a:endParaRPr lang="en-US" dirty="0"/>
           </a:p>
@@ -2926,7 +2926,7 @@
           <a:p>
             <a:fld id="{C8C39B41-D8B5-4052-B551-9B5525EAA8B6}" type="datetimeFigureOut">
               <a:rPr lang="en-US" smtClean="0"/>
-              <a:t>11/29/2018</a:t>
+              <a:t>12/6/2018</a:t>
             </a:fld>
             <a:endParaRPr lang="en-US" dirty="0"/>
           </a:p>
@@ -3040,7 +3040,7 @@
           <a:p>
             <a:fld id="{4D94136C-8742-45B2-AF27-D93DF72833A9}" type="datetimeFigureOut">
               <a:rPr lang="en-US" smtClean="0"/>
-              <a:t>11/29/2018</a:t>
+              <a:t>12/6/2018</a:t>
             </a:fld>
             <a:endParaRPr lang="en-US" dirty="0"/>
           </a:p>
@@ -3400,7 +3400,7 @@
           <a:p>
             <a:fld id="{32ABBEA6-7C60-4B02-AE87-00D78D8422AF}" type="datetimeFigureOut">
               <a:rPr lang="en-US" smtClean="0"/>
-              <a:t>11/29/2018</a:t>
+              <a:t>12/6/2018</a:t>
             </a:fld>
             <a:endParaRPr lang="en-US" dirty="0"/>
           </a:p>
@@ -3909,7 +3909,7 @@
           <a:p>
             <a:fld id="{C9CAD897-D46E-4AD2-BD9B-49DD3E640873}" type="datetimeFigureOut">
               <a:rPr lang="en-US" smtClean="0"/>
-              <a:t>11/29/2018</a:t>
+              <a:t>12/6/2018</a:t>
             </a:fld>
             <a:endParaRPr lang="en-US" dirty="0"/>
           </a:p>
@@ -4260,7 +4260,7 @@
           <a:p>
             <a:fld id="{98624D31-43A5-475A-80CF-332C9F6DCF35}" type="datetimeFigureOut">
               <a:rPr lang="en-US" smtClean="0"/>
-              <a:t>11/29/2018</a:t>
+              <a:t>12/6/2018</a:t>
             </a:fld>
             <a:endParaRPr lang="en-US" dirty="0"/>
           </a:p>
